--- a/Proximity senzor.pptx
+++ b/Proximity senzor.pptx
@@ -132,6 +132,7 @@
     <p1510:client id="{0B8420D1-E583-B70C-4C5F-AB91E4FF5B56}" v="77" dt="2024-10-02T07:25:46.900"/>
     <p1510:client id="{39978E64-CE00-89C2-8381-E840C66CAFEF}" v="91" dt="2024-10-01T16:32:06.598"/>
     <p1510:client id="{4A9D201B-CFF6-E058-48D8-97B0B4DBBC66}" v="387" dt="2024-10-02T07:12:12.705"/>
+    <p1510:client id="{5748EDE5-8F18-6CCE-8D5C-B59D56649390}" v="1" dt="2024-10-03T07:17:02.771"/>
     <p1510:client id="{57D2F7F1-0F4A-7D38-0D28-9E856AF8FA71}" v="91" dt="2024-10-02T06:45:22.440"/>
     <p1510:client id="{5B9095AD-0BD3-57A8-F9DD-3C692195A986}" v="245" dt="2024-10-02T06:14:14.498"/>
     <p1510:client id="{861DEE9F-63D5-0CDB-13F0-F92638CCF6CE}" v="1" dt="2024-10-02T07:25:26.848"/>
@@ -2217,6 +2218,30 @@
             <pc:docMk/>
             <pc:sldMk cId="3086643209" sldId="264"/>
             <ac:picMk id="4" creationId="{EF881D20-8C2F-A935-BB22-5FA2D93D9F36}"/>
+          </ac:picMkLst>
+        </pc:picChg>
+      </pc:sldChg>
+    </pc:docChg>
+  </pc:docChgLst>
+  <pc:docChgLst>
+    <pc:chgData name="Matěj Dubinský" userId="S::it2404@sspu-opava.cz::d407e79c-dfe7-4524-a8e3-a6fbbe87bb8a" providerId="AD" clId="Web-{5748EDE5-8F18-6CCE-8D5C-B59D56649390}"/>
+    <pc:docChg chg="modSld">
+      <pc:chgData name="Matěj Dubinský" userId="S::it2404@sspu-opava.cz::d407e79c-dfe7-4524-a8e3-a6fbbe87bb8a" providerId="AD" clId="Web-{5748EDE5-8F18-6CCE-8D5C-B59D56649390}" dt="2024-10-03T07:17:02.771" v="0"/>
+      <pc:docMkLst>
+        <pc:docMk/>
+      </pc:docMkLst>
+      <pc:sldChg chg="delSp delAnim">
+        <pc:chgData name="Matěj Dubinský" userId="S::it2404@sspu-opava.cz::d407e79c-dfe7-4524-a8e3-a6fbbe87bb8a" providerId="AD" clId="Web-{5748EDE5-8F18-6CCE-8D5C-B59D56649390}" dt="2024-10-03T07:17:02.771" v="0"/>
+        <pc:sldMkLst>
+          <pc:docMk/>
+          <pc:sldMk cId="827877325" sldId="265"/>
+        </pc:sldMkLst>
+        <pc:picChg chg="del">
+          <ac:chgData name="Matěj Dubinský" userId="S::it2404@sspu-opava.cz::d407e79c-dfe7-4524-a8e3-a6fbbe87bb8a" providerId="AD" clId="Web-{5748EDE5-8F18-6CCE-8D5C-B59D56649390}" dt="2024-10-03T07:17:02.771" v="0"/>
+          <ac:picMkLst>
+            <pc:docMk/>
+            <pc:sldMk cId="827877325" sldId="265"/>
+            <ac:picMk id="5" creationId="{FC0A7034-EA4C-1792-1FF7-8EE3813ABE23}"/>
           </ac:picMkLst>
         </pc:picChg>
       </pc:sldChg>
@@ -2307,7 +2332,7 @@
           <a:p>
             <a:fld id="{F1A9CA43-121A-478E-90DC-8A2958612B62}" type="datetimeFigureOut">
               <a:rPr lang="cs-CZ" smtClean="0"/>
-              <a:t>02.10.2024</a:t>
+              <a:t>03.10.2024</a:t>
             </a:fld>
             <a:endParaRPr lang="cs-CZ"/>
           </a:p>
@@ -2788,7 +2813,7 @@
           <a:p>
             <a:fld id="{C764DE79-268F-4C1A-8933-263129D2AF90}" type="datetimeFigureOut">
               <a:rPr lang="en-US" dirty="0"/>
-              <a:t>10/2/2024</a:t>
+              <a:t>10/3/2024</a:t>
             </a:fld>
             <a:endParaRPr lang="en-US"/>
           </a:p>
@@ -2956,7 +2981,7 @@
           <a:p>
             <a:fld id="{C764DE79-268F-4C1A-8933-263129D2AF90}" type="datetimeFigureOut">
               <a:rPr lang="en-US" dirty="0"/>
-              <a:t>10/2/2024</a:t>
+              <a:t>10/3/2024</a:t>
             </a:fld>
             <a:endParaRPr lang="en-US"/>
           </a:p>
@@ -3134,7 +3159,7 @@
           <a:p>
             <a:fld id="{C764DE79-268F-4C1A-8933-263129D2AF90}" type="datetimeFigureOut">
               <a:rPr lang="en-US" dirty="0"/>
-              <a:t>10/2/2024</a:t>
+              <a:t>10/3/2024</a:t>
             </a:fld>
             <a:endParaRPr lang="en-US"/>
           </a:p>
@@ -3302,7 +3327,7 @@
           <a:p>
             <a:fld id="{C764DE79-268F-4C1A-8933-263129D2AF90}" type="datetimeFigureOut">
               <a:rPr lang="en-US" dirty="0"/>
-              <a:t>10/2/2024</a:t>
+              <a:t>10/3/2024</a:t>
             </a:fld>
             <a:endParaRPr lang="en-US"/>
           </a:p>
@@ -3547,7 +3572,7 @@
           <a:p>
             <a:fld id="{C764DE79-268F-4C1A-8933-263129D2AF90}" type="datetimeFigureOut">
               <a:rPr lang="en-US" dirty="0"/>
-              <a:t>10/2/2024</a:t>
+              <a:t>10/3/2024</a:t>
             </a:fld>
             <a:endParaRPr lang="en-US"/>
           </a:p>
@@ -3776,7 +3801,7 @@
           <a:p>
             <a:fld id="{C764DE79-268F-4C1A-8933-263129D2AF90}" type="datetimeFigureOut">
               <a:rPr lang="en-US" dirty="0"/>
-              <a:t>10/2/2024</a:t>
+              <a:t>10/3/2024</a:t>
             </a:fld>
             <a:endParaRPr lang="en-US"/>
           </a:p>
@@ -4140,7 +4165,7 @@
           <a:p>
             <a:fld id="{C764DE79-268F-4C1A-8933-263129D2AF90}" type="datetimeFigureOut">
               <a:rPr lang="en-US" dirty="0"/>
-              <a:t>10/2/2024</a:t>
+              <a:t>10/3/2024</a:t>
             </a:fld>
             <a:endParaRPr lang="en-US"/>
           </a:p>
@@ -4257,7 +4282,7 @@
           <a:p>
             <a:fld id="{C764DE79-268F-4C1A-8933-263129D2AF90}" type="datetimeFigureOut">
               <a:rPr lang="en-US" dirty="0"/>
-              <a:t>10/2/2024</a:t>
+              <a:t>10/3/2024</a:t>
             </a:fld>
             <a:endParaRPr lang="en-US"/>
           </a:p>
@@ -4352,7 +4377,7 @@
           <a:p>
             <a:fld id="{C764DE79-268F-4C1A-8933-263129D2AF90}" type="datetimeFigureOut">
               <a:rPr lang="en-US" dirty="0"/>
-              <a:t>10/2/2024</a:t>
+              <a:t>10/3/2024</a:t>
             </a:fld>
             <a:endParaRPr lang="en-US"/>
           </a:p>
@@ -4627,7 +4652,7 @@
           <a:p>
             <a:fld id="{C764DE79-268F-4C1A-8933-263129D2AF90}" type="datetimeFigureOut">
               <a:rPr lang="en-US" dirty="0"/>
-              <a:t>10/2/2024</a:t>
+              <a:t>10/3/2024</a:t>
             </a:fld>
             <a:endParaRPr lang="en-US"/>
           </a:p>
@@ -4879,7 +4904,7 @@
           <a:p>
             <a:fld id="{C764DE79-268F-4C1A-8933-263129D2AF90}" type="datetimeFigureOut">
               <a:rPr lang="en-US" dirty="0"/>
-              <a:t>10/2/2024</a:t>
+              <a:t>10/3/2024</a:t>
             </a:fld>
             <a:endParaRPr lang="en-US"/>
           </a:p>
@@ -5099,7 +5124,7 @@
           <a:p>
             <a:fld id="{C764DE79-268F-4C1A-8933-263129D2AF90}" type="datetimeFigureOut">
               <a:rPr lang="en-US" dirty="0"/>
-              <a:t>10/2/2024</a:t>
+              <a:t>10/3/2024</a:t>
             </a:fld>
             <a:endParaRPr lang="en-US"/>
           </a:p>
@@ -11931,39 +11956,6 @@
           <a:chExt cx="0" cy="0"/>
         </a:xfrm>
       </p:grpSpPr>
-      <p:pic>
-        <p:nvPicPr>
-          <p:cNvPr id="5" name="Online Media 4" title="Demonstracija rada proximity sensor (senzora blizine) na POCO F3 mobitelu">
-            <a:hlinkClick r:id="" action="ppaction://media"/>
-            <a:extLst>
-              <a:ext uri="{FF2B5EF4-FFF2-40B4-BE49-F238E27FC236}">
-                <a16:creationId xmlns:a16="http://schemas.microsoft.com/office/drawing/2014/main" id="{FC0A7034-EA4C-1792-1FF7-8EE3813ABE23}"/>
-              </a:ext>
-            </a:extLst>
-          </p:cNvPr>
-          <p:cNvPicPr>
-            <a:picLocks noRot="1" noChangeAspect="1"/>
-          </p:cNvPicPr>
-          <p:nvPr>
-            <a:videoFile r:link="rId1"/>
-          </p:nvPr>
-        </p:nvPicPr>
-        <p:blipFill>
-          <a:blip r:embed="rId3"/>
-          <a:stretch>
-            <a:fillRect/>
-          </a:stretch>
-        </p:blipFill>
-        <p:spPr>
-          <a:xfrm>
-            <a:off x="1952558" y="1563798"/>
-            <a:ext cx="8285974" cy="4657211"/>
-          </a:xfrm>
-          <a:prstGeom prst="rect">
-            <a:avLst/>
-          </a:prstGeom>
-        </p:spPr>
-      </p:pic>
       <p:sp>
         <p:nvSpPr>
           <p:cNvPr id="6" name="TextovéPole 5">
@@ -12098,97 +12090,6 @@
                                         <p:tav tm="0">
                                           <p:val>
                                             <p:strVal val="0-#ppt_h/2"/>
-                                          </p:val>
-                                        </p:tav>
-                                        <p:tav tm="100000">
-                                          <p:val>
-                                            <p:strVal val="#ppt_y"/>
-                                          </p:val>
-                                        </p:tav>
-                                      </p:tavLst>
-                                    </p:anim>
-                                  </p:childTnLst>
-                                </p:cTn>
-                              </p:par>
-                            </p:childTnLst>
-                          </p:cTn>
-                        </p:par>
-                      </p:childTnLst>
-                    </p:cTn>
-                  </p:par>
-                  <p:par>
-                    <p:cTn id="9" fill="hold">
-                      <p:stCondLst>
-                        <p:cond delay="indefinite"/>
-                      </p:stCondLst>
-                      <p:childTnLst>
-                        <p:par>
-                          <p:cTn id="10" fill="hold">
-                            <p:stCondLst>
-                              <p:cond delay="0"/>
-                            </p:stCondLst>
-                            <p:childTnLst>
-                              <p:par>
-                                <p:cTn id="11" presetID="2" presetClass="entr" presetSubtype="4" fill="hold" nodeType="clickEffect">
-                                  <p:stCondLst>
-                                    <p:cond delay="0"/>
-                                  </p:stCondLst>
-                                  <p:childTnLst>
-                                    <p:set>
-                                      <p:cBhvr>
-                                        <p:cTn id="12" dur="1" fill="hold">
-                                          <p:stCondLst>
-                                            <p:cond delay="0"/>
-                                          </p:stCondLst>
-                                        </p:cTn>
-                                        <p:tgtEl>
-                                          <p:spTgt spid="5"/>
-                                        </p:tgtEl>
-                                        <p:attrNameLst>
-                                          <p:attrName>style.visibility</p:attrName>
-                                        </p:attrNameLst>
-                                      </p:cBhvr>
-                                      <p:to>
-                                        <p:strVal val="visible"/>
-                                      </p:to>
-                                    </p:set>
-                                    <p:anim calcmode="lin" valueType="num">
-                                      <p:cBhvr additive="base">
-                                        <p:cTn id="13" dur="500" fill="hold"/>
-                                        <p:tgtEl>
-                                          <p:spTgt spid="5"/>
-                                        </p:tgtEl>
-                                        <p:attrNameLst>
-                                          <p:attrName>ppt_x</p:attrName>
-                                        </p:attrNameLst>
-                                      </p:cBhvr>
-                                      <p:tavLst>
-                                        <p:tav tm="0">
-                                          <p:val>
-                                            <p:strVal val="#ppt_x"/>
-                                          </p:val>
-                                        </p:tav>
-                                        <p:tav tm="100000">
-                                          <p:val>
-                                            <p:strVal val="#ppt_x"/>
-                                          </p:val>
-                                        </p:tav>
-                                      </p:tavLst>
-                                    </p:anim>
-                                    <p:anim calcmode="lin" valueType="num">
-                                      <p:cBhvr additive="base">
-                                        <p:cTn id="14" dur="500" fill="hold"/>
-                                        <p:tgtEl>
-                                          <p:spTgt spid="5"/>
-                                        </p:tgtEl>
-                                        <p:attrNameLst>
-                                          <p:attrName>ppt_y</p:attrName>
-                                        </p:attrNameLst>
-                                      </p:cBhvr>
-                                      <p:tavLst>
-                                        <p:tav tm="0">
-                                          <p:val>
-                                            <p:strVal val="1+#ppt_h/2"/>
                                           </p:val>
                                         </p:tav>
                                         <p:tav tm="100000">
